--- a/images/Send Image.pptx
+++ b/images/Send Image.pptx
@@ -289,7 +289,7 @@
             <a:fld id="{B4C2CEE5-8C4B-D347-9248-8C8BEA79AD4E}" type="datetimeFigureOut">
               <a:rPr lang="en-US" smtClean="0"/>
               <a:pPr/>
-              <a:t>4/30/10</a:t>
+              <a:t>5/11/10</a:t>
             </a:fld>
             <a:endParaRPr lang="en-US"/>
           </a:p>
@@ -456,7 +456,7 @@
             <a:fld id="{B4C2CEE5-8C4B-D347-9248-8C8BEA79AD4E}" type="datetimeFigureOut">
               <a:rPr lang="en-US" smtClean="0"/>
               <a:pPr/>
-              <a:t>4/30/10</a:t>
+              <a:t>5/11/10</a:t>
             </a:fld>
             <a:endParaRPr lang="en-US"/>
           </a:p>
@@ -633,7 +633,7 @@
             <a:fld id="{B4C2CEE5-8C4B-D347-9248-8C8BEA79AD4E}" type="datetimeFigureOut">
               <a:rPr lang="en-US" smtClean="0"/>
               <a:pPr/>
-              <a:t>4/30/10</a:t>
+              <a:t>5/11/10</a:t>
             </a:fld>
             <a:endParaRPr lang="en-US"/>
           </a:p>
@@ -800,7 +800,7 @@
             <a:fld id="{B4C2CEE5-8C4B-D347-9248-8C8BEA79AD4E}" type="datetimeFigureOut">
               <a:rPr lang="en-US" smtClean="0"/>
               <a:pPr/>
-              <a:t>4/30/10</a:t>
+              <a:t>5/11/10</a:t>
             </a:fld>
             <a:endParaRPr lang="en-US"/>
           </a:p>
@@ -1043,7 +1043,7 @@
             <a:fld id="{B4C2CEE5-8C4B-D347-9248-8C8BEA79AD4E}" type="datetimeFigureOut">
               <a:rPr lang="en-US" smtClean="0"/>
               <a:pPr/>
-              <a:t>4/30/10</a:t>
+              <a:t>5/11/10</a:t>
             </a:fld>
             <a:endParaRPr lang="en-US"/>
           </a:p>
@@ -1328,7 +1328,7 @@
             <a:fld id="{B4C2CEE5-8C4B-D347-9248-8C8BEA79AD4E}" type="datetimeFigureOut">
               <a:rPr lang="en-US" smtClean="0"/>
               <a:pPr/>
-              <a:t>4/30/10</a:t>
+              <a:t>5/11/10</a:t>
             </a:fld>
             <a:endParaRPr lang="en-US"/>
           </a:p>
@@ -1747,7 +1747,7 @@
             <a:fld id="{B4C2CEE5-8C4B-D347-9248-8C8BEA79AD4E}" type="datetimeFigureOut">
               <a:rPr lang="en-US" smtClean="0"/>
               <a:pPr/>
-              <a:t>4/30/10</a:t>
+              <a:t>5/11/10</a:t>
             </a:fld>
             <a:endParaRPr lang="en-US"/>
           </a:p>
@@ -1862,7 +1862,7 @@
             <a:fld id="{B4C2CEE5-8C4B-D347-9248-8C8BEA79AD4E}" type="datetimeFigureOut">
               <a:rPr lang="en-US" smtClean="0"/>
               <a:pPr/>
-              <a:t>4/30/10</a:t>
+              <a:t>5/11/10</a:t>
             </a:fld>
             <a:endParaRPr lang="en-US"/>
           </a:p>
@@ -1954,7 +1954,7 @@
             <a:fld id="{B4C2CEE5-8C4B-D347-9248-8C8BEA79AD4E}" type="datetimeFigureOut">
               <a:rPr lang="en-US" smtClean="0"/>
               <a:pPr/>
-              <a:t>4/30/10</a:t>
+              <a:t>5/11/10</a:t>
             </a:fld>
             <a:endParaRPr lang="en-US"/>
           </a:p>
@@ -2228,7 +2228,7 @@
             <a:fld id="{B4C2CEE5-8C4B-D347-9248-8C8BEA79AD4E}" type="datetimeFigureOut">
               <a:rPr lang="en-US" smtClean="0"/>
               <a:pPr/>
-              <a:t>4/30/10</a:t>
+              <a:t>5/11/10</a:t>
             </a:fld>
             <a:endParaRPr lang="en-US"/>
           </a:p>
@@ -2478,7 +2478,7 @@
             <a:fld id="{B4C2CEE5-8C4B-D347-9248-8C8BEA79AD4E}" type="datetimeFigureOut">
               <a:rPr lang="en-US" smtClean="0"/>
               <a:pPr/>
-              <a:t>4/30/10</a:t>
+              <a:t>5/11/10</a:t>
             </a:fld>
             <a:endParaRPr lang="en-US"/>
           </a:p>
@@ -2688,7 +2688,7 @@
             <a:fld id="{B4C2CEE5-8C4B-D347-9248-8C8BEA79AD4E}" type="datetimeFigureOut">
               <a:rPr lang="en-US" smtClean="0"/>
               <a:pPr/>
-              <a:t>4/30/10</a:t>
+              <a:t>5/11/10</a:t>
             </a:fld>
             <a:endParaRPr lang="en-US"/>
           </a:p>
@@ -3045,6 +3045,16 @@
 <file path=ppt/slides/slide1.xml><?xml version="1.0" encoding="utf-8"?>
 <p:sld xmlns:a="http://schemas.openxmlformats.org/drawingml/2006/main" xmlns:r="http://schemas.openxmlformats.org/officeDocument/2006/relationships" xmlns:mc="http://schemas.openxmlformats.org/markup-compatibility/2006" xmlns:mv="urn:schemas-microsoft-com:mac:vml" xmlns:p="http://schemas.openxmlformats.org/presentationml/2006/main" mc:Ignorable="mv" mc:PreserveAttributes="mv:*">
   <p:cSld>
+    <p:bg>
+      <p:bgPr>
+        <a:solidFill>
+          <a:schemeClr val="bg1">
+            <a:alpha val="0"/>
+          </a:schemeClr>
+        </a:solidFill>
+        <a:effectLst/>
+      </p:bgPr>
+    </p:bg>
     <p:spTree>
       <p:nvGrpSpPr>
         <p:cNvPr id="1" name=""/>
@@ -3097,8 +3107,8 @@
         </p:nvSpPr>
         <p:spPr>
           <a:xfrm>
-            <a:off x="3646253" y="2606070"/>
-            <a:ext cx="1482817" cy="784830"/>
+            <a:off x="3521604" y="2606070"/>
+            <a:ext cx="1719792" cy="784830"/>
           </a:xfrm>
           <a:prstGeom prst="rect">
             <a:avLst/>
@@ -3117,7 +3127,7 @@
                   <a:schemeClr val="bg1"/>
                 </a:solidFill>
               </a:rPr>
-              <a:t>SEND</a:t>
+              <a:t>WRITE</a:t>
             </a:r>
             <a:endParaRPr lang="en-US" sz="4500" dirty="0">
               <a:solidFill>
